--- a/deliberables/DevOpsPipeline.pptx
+++ b/deliberables/DevOpsPipeline.pptx
@@ -8,7 +8,7 @@
     <p:sldId id="256" r:id="rId3"/>
   </p:sldIdLst>
   <p:sldSz cx="9144000" cy="5143500"/>
-  <p:notesSz cx="6858000" cy="9144000"/>
+  <p:notesSz cx="7559675" cy="10691812"/>
 </p:presentation>
 </file>
 
@@ -64,7 +64,7 @@
         <p:spPr>
           <a:xfrm>
             <a:off x="311760" y="744480"/>
-            <a:ext cx="8520120" cy="2052360"/>
+            <a:ext cx="8519400" cy="2051640"/>
           </a:xfrm>
           <a:prstGeom prst="rect">
             <a:avLst/>
@@ -75,10 +75,8 @@
             <a:noAutofit/>
           </a:bodyPr>
           <a:p>
-            <a:endParaRPr b="0" lang="en-US" sz="1400" spc="-1" strike="noStrike">
-              <a:solidFill>
-                <a:srgbClr val="000000"/>
-              </a:solidFill>
+            <a:pPr algn="ctr"/>
+            <a:endParaRPr b="0" lang="en-US" sz="4400" spc="-1" strike="noStrike">
               <a:latin typeface="Arial"/>
             </a:endParaRPr>
           </a:p>
@@ -97,7 +95,7 @@
         <p:spPr>
           <a:xfrm>
             <a:off x="457200" y="1203480"/>
-            <a:ext cx="8229240" cy="1422720"/>
+            <a:ext cx="8228880" cy="1422360"/>
           </a:xfrm>
           <a:prstGeom prst="rect">
             <a:avLst/>
@@ -108,10 +106,7 @@
             <a:normAutofit/>
           </a:bodyPr>
           <a:p>
-            <a:endParaRPr b="0" lang="en-US" sz="1400" spc="-1" strike="noStrike">
-              <a:solidFill>
-                <a:srgbClr val="000000"/>
-              </a:solidFill>
+            <a:endParaRPr b="0" lang="en-US" sz="3200" spc="-1" strike="noStrike">
               <a:latin typeface="Arial"/>
             </a:endParaRPr>
           </a:p>
@@ -129,8 +124,8 @@
         </p:nvSpPr>
         <p:spPr>
           <a:xfrm>
-            <a:off x="457200" y="2761920"/>
-            <a:ext cx="8229240" cy="1422720"/>
+            <a:off x="457200" y="2761200"/>
+            <a:ext cx="8228880" cy="1422360"/>
           </a:xfrm>
           <a:prstGeom prst="rect">
             <a:avLst/>
@@ -141,10 +136,7 @@
             <a:normAutofit/>
           </a:bodyPr>
           <a:p>
-            <a:endParaRPr b="0" lang="en-US" sz="1400" spc="-1" strike="noStrike">
-              <a:solidFill>
-                <a:srgbClr val="000000"/>
-              </a:solidFill>
+            <a:endParaRPr b="0" lang="en-US" sz="3200" spc="-1" strike="noStrike">
               <a:latin typeface="Arial"/>
             </a:endParaRPr>
           </a:p>
@@ -185,7 +177,7 @@
         <p:spPr>
           <a:xfrm>
             <a:off x="311760" y="744480"/>
-            <a:ext cx="8520120" cy="2052360"/>
+            <a:ext cx="8519400" cy="2051640"/>
           </a:xfrm>
           <a:prstGeom prst="rect">
             <a:avLst/>
@@ -196,10 +188,8 @@
             <a:noAutofit/>
           </a:bodyPr>
           <a:p>
-            <a:endParaRPr b="0" lang="en-US" sz="1400" spc="-1" strike="noStrike">
-              <a:solidFill>
-                <a:srgbClr val="000000"/>
-              </a:solidFill>
+            <a:pPr algn="ctr"/>
+            <a:endParaRPr b="0" lang="en-US" sz="4400" spc="-1" strike="noStrike">
               <a:latin typeface="Arial"/>
             </a:endParaRPr>
           </a:p>
@@ -218,7 +208,7 @@
         <p:spPr>
           <a:xfrm>
             <a:off x="457200" y="1203480"/>
-            <a:ext cx="4015800" cy="1422720"/>
+            <a:ext cx="4015440" cy="1422360"/>
           </a:xfrm>
           <a:prstGeom prst="rect">
             <a:avLst/>
@@ -229,10 +219,7 @@
             <a:normAutofit/>
           </a:bodyPr>
           <a:p>
-            <a:endParaRPr b="0" lang="en-US" sz="1400" spc="-1" strike="noStrike">
-              <a:solidFill>
-                <a:srgbClr val="000000"/>
-              </a:solidFill>
+            <a:endParaRPr b="0" lang="en-US" sz="3200" spc="-1" strike="noStrike">
               <a:latin typeface="Arial"/>
             </a:endParaRPr>
           </a:p>
@@ -250,8 +237,8 @@
         </p:nvSpPr>
         <p:spPr>
           <a:xfrm>
-            <a:off x="4674240" y="1203480"/>
-            <a:ext cx="4015800" cy="1422720"/>
+            <a:off x="4673880" y="1203480"/>
+            <a:ext cx="4015440" cy="1422360"/>
           </a:xfrm>
           <a:prstGeom prst="rect">
             <a:avLst/>
@@ -262,10 +249,7 @@
             <a:normAutofit/>
           </a:bodyPr>
           <a:p>
-            <a:endParaRPr b="0" lang="en-US" sz="1400" spc="-1" strike="noStrike">
-              <a:solidFill>
-                <a:srgbClr val="000000"/>
-              </a:solidFill>
+            <a:endParaRPr b="0" lang="en-US" sz="3200" spc="-1" strike="noStrike">
               <a:latin typeface="Arial"/>
             </a:endParaRPr>
           </a:p>
@@ -283,8 +267,8 @@
         </p:nvSpPr>
         <p:spPr>
           <a:xfrm>
-            <a:off x="457200" y="2761920"/>
-            <a:ext cx="4015800" cy="1422720"/>
+            <a:off x="457200" y="2761200"/>
+            <a:ext cx="4015440" cy="1422360"/>
           </a:xfrm>
           <a:prstGeom prst="rect">
             <a:avLst/>
@@ -295,10 +279,7 @@
             <a:normAutofit/>
           </a:bodyPr>
           <a:p>
-            <a:endParaRPr b="0" lang="en-US" sz="1400" spc="-1" strike="noStrike">
-              <a:solidFill>
-                <a:srgbClr val="000000"/>
-              </a:solidFill>
+            <a:endParaRPr b="0" lang="en-US" sz="3200" spc="-1" strike="noStrike">
               <a:latin typeface="Arial"/>
             </a:endParaRPr>
           </a:p>
@@ -316,8 +297,8 @@
         </p:nvSpPr>
         <p:spPr>
           <a:xfrm>
-            <a:off x="4674240" y="2761920"/>
-            <a:ext cx="4015800" cy="1422720"/>
+            <a:off x="4673880" y="2761200"/>
+            <a:ext cx="4015440" cy="1422360"/>
           </a:xfrm>
           <a:prstGeom prst="rect">
             <a:avLst/>
@@ -328,10 +309,7 @@
             <a:normAutofit/>
           </a:bodyPr>
           <a:p>
-            <a:endParaRPr b="0" lang="en-US" sz="1400" spc="-1" strike="noStrike">
-              <a:solidFill>
-                <a:srgbClr val="000000"/>
-              </a:solidFill>
+            <a:endParaRPr b="0" lang="en-US" sz="3200" spc="-1" strike="noStrike">
               <a:latin typeface="Arial"/>
             </a:endParaRPr>
           </a:p>
@@ -372,7 +350,7 @@
         <p:spPr>
           <a:xfrm>
             <a:off x="311760" y="744480"/>
-            <a:ext cx="8520120" cy="2052360"/>
+            <a:ext cx="8519400" cy="2051640"/>
           </a:xfrm>
           <a:prstGeom prst="rect">
             <a:avLst/>
@@ -383,10 +361,8 @@
             <a:noAutofit/>
           </a:bodyPr>
           <a:p>
-            <a:endParaRPr b="0" lang="en-US" sz="1400" spc="-1" strike="noStrike">
-              <a:solidFill>
-                <a:srgbClr val="000000"/>
-              </a:solidFill>
+            <a:pPr algn="ctr"/>
+            <a:endParaRPr b="0" lang="en-US" sz="4400" spc="-1" strike="noStrike">
               <a:latin typeface="Arial"/>
             </a:endParaRPr>
           </a:p>
@@ -405,7 +381,7 @@
         <p:spPr>
           <a:xfrm>
             <a:off x="457200" y="1203480"/>
-            <a:ext cx="2649600" cy="1422720"/>
+            <a:ext cx="2649600" cy="1422360"/>
           </a:xfrm>
           <a:prstGeom prst="rect">
             <a:avLst/>
@@ -416,10 +392,7 @@
             <a:normAutofit/>
           </a:bodyPr>
           <a:p>
-            <a:endParaRPr b="0" lang="en-US" sz="1400" spc="-1" strike="noStrike">
-              <a:solidFill>
-                <a:srgbClr val="000000"/>
-              </a:solidFill>
+            <a:endParaRPr b="0" lang="en-US" sz="3200" spc="-1" strike="noStrike">
               <a:latin typeface="Arial"/>
             </a:endParaRPr>
           </a:p>
@@ -438,7 +411,7 @@
         <p:spPr>
           <a:xfrm>
             <a:off x="3239640" y="1203480"/>
-            <a:ext cx="2649600" cy="1422720"/>
+            <a:ext cx="2649600" cy="1422360"/>
           </a:xfrm>
           <a:prstGeom prst="rect">
             <a:avLst/>
@@ -449,10 +422,7 @@
             <a:normAutofit/>
           </a:bodyPr>
           <a:p>
-            <a:endParaRPr b="0" lang="en-US" sz="1400" spc="-1" strike="noStrike">
-              <a:solidFill>
-                <a:srgbClr val="000000"/>
-              </a:solidFill>
+            <a:endParaRPr b="0" lang="en-US" sz="3200" spc="-1" strike="noStrike">
               <a:latin typeface="Arial"/>
             </a:endParaRPr>
           </a:p>
@@ -471,7 +441,7 @@
         <p:spPr>
           <a:xfrm>
             <a:off x="6022080" y="1203480"/>
-            <a:ext cx="2649600" cy="1422720"/>
+            <a:ext cx="2649600" cy="1422360"/>
           </a:xfrm>
           <a:prstGeom prst="rect">
             <a:avLst/>
@@ -482,10 +452,7 @@
             <a:normAutofit/>
           </a:bodyPr>
           <a:p>
-            <a:endParaRPr b="0" lang="en-US" sz="1400" spc="-1" strike="noStrike">
-              <a:solidFill>
-                <a:srgbClr val="000000"/>
-              </a:solidFill>
+            <a:endParaRPr b="0" lang="en-US" sz="3200" spc="-1" strike="noStrike">
               <a:latin typeface="Arial"/>
             </a:endParaRPr>
           </a:p>
@@ -503,8 +470,8 @@
         </p:nvSpPr>
         <p:spPr>
           <a:xfrm>
-            <a:off x="457200" y="2761920"/>
-            <a:ext cx="2649600" cy="1422720"/>
+            <a:off x="457200" y="2761200"/>
+            <a:ext cx="2649600" cy="1422360"/>
           </a:xfrm>
           <a:prstGeom prst="rect">
             <a:avLst/>
@@ -515,10 +482,7 @@
             <a:normAutofit/>
           </a:bodyPr>
           <a:p>
-            <a:endParaRPr b="0" lang="en-US" sz="1400" spc="-1" strike="noStrike">
-              <a:solidFill>
-                <a:srgbClr val="000000"/>
-              </a:solidFill>
+            <a:endParaRPr b="0" lang="en-US" sz="3200" spc="-1" strike="noStrike">
               <a:latin typeface="Arial"/>
             </a:endParaRPr>
           </a:p>
@@ -536,8 +500,8 @@
         </p:nvSpPr>
         <p:spPr>
           <a:xfrm>
-            <a:off x="3239640" y="2761920"/>
-            <a:ext cx="2649600" cy="1422720"/>
+            <a:off x="3239640" y="2761200"/>
+            <a:ext cx="2649600" cy="1422360"/>
           </a:xfrm>
           <a:prstGeom prst="rect">
             <a:avLst/>
@@ -548,10 +512,7 @@
             <a:normAutofit/>
           </a:bodyPr>
           <a:p>
-            <a:endParaRPr b="0" lang="en-US" sz="1400" spc="-1" strike="noStrike">
-              <a:solidFill>
-                <a:srgbClr val="000000"/>
-              </a:solidFill>
+            <a:endParaRPr b="0" lang="en-US" sz="3200" spc="-1" strike="noStrike">
               <a:latin typeface="Arial"/>
             </a:endParaRPr>
           </a:p>
@@ -569,8 +530,8 @@
         </p:nvSpPr>
         <p:spPr>
           <a:xfrm>
-            <a:off x="6022080" y="2761920"/>
-            <a:ext cx="2649600" cy="1422720"/>
+            <a:off x="6022080" y="2761200"/>
+            <a:ext cx="2649600" cy="1422360"/>
           </a:xfrm>
           <a:prstGeom prst="rect">
             <a:avLst/>
@@ -581,10 +542,7 @@
             <a:normAutofit/>
           </a:bodyPr>
           <a:p>
-            <a:endParaRPr b="0" lang="en-US" sz="1400" spc="-1" strike="noStrike">
-              <a:solidFill>
-                <a:srgbClr val="000000"/>
-              </a:solidFill>
+            <a:endParaRPr b="0" lang="en-US" sz="3200" spc="-1" strike="noStrike">
               <a:latin typeface="Arial"/>
             </a:endParaRPr>
           </a:p>
@@ -625,7 +583,7 @@
         <p:spPr>
           <a:xfrm>
             <a:off x="311760" y="744480"/>
-            <a:ext cx="8520120" cy="2052360"/>
+            <a:ext cx="8519400" cy="2051640"/>
           </a:xfrm>
           <a:prstGeom prst="rect">
             <a:avLst/>
@@ -636,10 +594,8 @@
             <a:noAutofit/>
           </a:bodyPr>
           <a:p>
-            <a:endParaRPr b="0" lang="en-US" sz="1400" spc="-1" strike="noStrike">
-              <a:solidFill>
-                <a:srgbClr val="000000"/>
-              </a:solidFill>
+            <a:pPr algn="ctr"/>
+            <a:endParaRPr b="0" lang="en-US" sz="4400" spc="-1" strike="noStrike">
               <a:latin typeface="Arial"/>
             </a:endParaRPr>
           </a:p>
@@ -658,7 +614,7 @@
         <p:spPr>
           <a:xfrm>
             <a:off x="457200" y="1203480"/>
-            <a:ext cx="8229240" cy="2982960"/>
+            <a:ext cx="8228880" cy="2982600"/>
           </a:xfrm>
           <a:prstGeom prst="rect">
             <a:avLst/>
@@ -711,7 +667,7 @@
         <p:spPr>
           <a:xfrm>
             <a:off x="311760" y="744480"/>
-            <a:ext cx="8520120" cy="2052360"/>
+            <a:ext cx="8519400" cy="2051640"/>
           </a:xfrm>
           <a:prstGeom prst="rect">
             <a:avLst/>
@@ -722,10 +678,8 @@
             <a:noAutofit/>
           </a:bodyPr>
           <a:p>
-            <a:endParaRPr b="0" lang="en-US" sz="1400" spc="-1" strike="noStrike">
-              <a:solidFill>
-                <a:srgbClr val="000000"/>
-              </a:solidFill>
+            <a:pPr algn="ctr"/>
+            <a:endParaRPr b="0" lang="en-US" sz="4400" spc="-1" strike="noStrike">
               <a:latin typeface="Arial"/>
             </a:endParaRPr>
           </a:p>
@@ -744,7 +698,7 @@
         <p:spPr>
           <a:xfrm>
             <a:off x="457200" y="1203480"/>
-            <a:ext cx="8229240" cy="2982960"/>
+            <a:ext cx="8228880" cy="2982600"/>
           </a:xfrm>
           <a:prstGeom prst="rect">
             <a:avLst/>
@@ -755,10 +709,7 @@
             <a:normAutofit/>
           </a:bodyPr>
           <a:p>
-            <a:endParaRPr b="0" lang="en-US" sz="1400" spc="-1" strike="noStrike">
-              <a:solidFill>
-                <a:srgbClr val="000000"/>
-              </a:solidFill>
+            <a:endParaRPr b="0" lang="en-US" sz="3200" spc="-1" strike="noStrike">
               <a:latin typeface="Arial"/>
             </a:endParaRPr>
           </a:p>
@@ -799,7 +750,7 @@
         <p:spPr>
           <a:xfrm>
             <a:off x="311760" y="744480"/>
-            <a:ext cx="8520120" cy="2052360"/>
+            <a:ext cx="8519400" cy="2051640"/>
           </a:xfrm>
           <a:prstGeom prst="rect">
             <a:avLst/>
@@ -810,10 +761,8 @@
             <a:noAutofit/>
           </a:bodyPr>
           <a:p>
-            <a:endParaRPr b="0" lang="en-US" sz="1400" spc="-1" strike="noStrike">
-              <a:solidFill>
-                <a:srgbClr val="000000"/>
-              </a:solidFill>
+            <a:pPr algn="ctr"/>
+            <a:endParaRPr b="0" lang="en-US" sz="4400" spc="-1" strike="noStrike">
               <a:latin typeface="Arial"/>
             </a:endParaRPr>
           </a:p>
@@ -832,7 +781,7 @@
         <p:spPr>
           <a:xfrm>
             <a:off x="457200" y="1203480"/>
-            <a:ext cx="4015800" cy="2982960"/>
+            <a:ext cx="4015440" cy="2982600"/>
           </a:xfrm>
           <a:prstGeom prst="rect">
             <a:avLst/>
@@ -843,10 +792,7 @@
             <a:normAutofit/>
           </a:bodyPr>
           <a:p>
-            <a:endParaRPr b="0" lang="en-US" sz="1400" spc="-1" strike="noStrike">
-              <a:solidFill>
-                <a:srgbClr val="000000"/>
-              </a:solidFill>
+            <a:endParaRPr b="0" lang="en-US" sz="3200" spc="-1" strike="noStrike">
               <a:latin typeface="Arial"/>
             </a:endParaRPr>
           </a:p>
@@ -864,8 +810,8 @@
         </p:nvSpPr>
         <p:spPr>
           <a:xfrm>
-            <a:off x="4674240" y="1203480"/>
-            <a:ext cx="4015800" cy="2982960"/>
+            <a:off x="4673880" y="1203480"/>
+            <a:ext cx="4015440" cy="2982600"/>
           </a:xfrm>
           <a:prstGeom prst="rect">
             <a:avLst/>
@@ -876,10 +822,7 @@
             <a:normAutofit/>
           </a:bodyPr>
           <a:p>
-            <a:endParaRPr b="0" lang="en-US" sz="1400" spc="-1" strike="noStrike">
-              <a:solidFill>
-                <a:srgbClr val="000000"/>
-              </a:solidFill>
+            <a:endParaRPr b="0" lang="en-US" sz="3200" spc="-1" strike="noStrike">
               <a:latin typeface="Arial"/>
             </a:endParaRPr>
           </a:p>
@@ -920,7 +863,7 @@
         <p:spPr>
           <a:xfrm>
             <a:off x="311760" y="744480"/>
-            <a:ext cx="8520120" cy="2052360"/>
+            <a:ext cx="8519400" cy="2051640"/>
           </a:xfrm>
           <a:prstGeom prst="rect">
             <a:avLst/>
@@ -931,10 +874,8 @@
             <a:noAutofit/>
           </a:bodyPr>
           <a:p>
-            <a:endParaRPr b="0" lang="en-US" sz="1400" spc="-1" strike="noStrike">
-              <a:solidFill>
-                <a:srgbClr val="000000"/>
-              </a:solidFill>
+            <a:pPr algn="ctr"/>
+            <a:endParaRPr b="0" lang="en-US" sz="4400" spc="-1" strike="noStrike">
               <a:latin typeface="Arial"/>
             </a:endParaRPr>
           </a:p>
@@ -975,7 +916,7 @@
         <p:spPr>
           <a:xfrm>
             <a:off x="311760" y="744480"/>
-            <a:ext cx="8520120" cy="9514800"/>
+            <a:ext cx="8519400" cy="9511560"/>
           </a:xfrm>
           <a:prstGeom prst="rect">
             <a:avLst/>
@@ -1028,7 +969,7 @@
         <p:spPr>
           <a:xfrm>
             <a:off x="311760" y="744480"/>
-            <a:ext cx="8520120" cy="2052360"/>
+            <a:ext cx="8519400" cy="2051640"/>
           </a:xfrm>
           <a:prstGeom prst="rect">
             <a:avLst/>
@@ -1039,10 +980,8 @@
             <a:noAutofit/>
           </a:bodyPr>
           <a:p>
-            <a:endParaRPr b="0" lang="en-US" sz="1400" spc="-1" strike="noStrike">
-              <a:solidFill>
-                <a:srgbClr val="000000"/>
-              </a:solidFill>
+            <a:pPr algn="ctr"/>
+            <a:endParaRPr b="0" lang="en-US" sz="4400" spc="-1" strike="noStrike">
               <a:latin typeface="Arial"/>
             </a:endParaRPr>
           </a:p>
@@ -1061,7 +1000,7 @@
         <p:spPr>
           <a:xfrm>
             <a:off x="457200" y="1203480"/>
-            <a:ext cx="4015800" cy="1422720"/>
+            <a:ext cx="4015440" cy="1422360"/>
           </a:xfrm>
           <a:prstGeom prst="rect">
             <a:avLst/>
@@ -1072,10 +1011,7 @@
             <a:normAutofit/>
           </a:bodyPr>
           <a:p>
-            <a:endParaRPr b="0" lang="en-US" sz="1400" spc="-1" strike="noStrike">
-              <a:solidFill>
-                <a:srgbClr val="000000"/>
-              </a:solidFill>
+            <a:endParaRPr b="0" lang="en-US" sz="3200" spc="-1" strike="noStrike">
               <a:latin typeface="Arial"/>
             </a:endParaRPr>
           </a:p>
@@ -1093,8 +1029,8 @@
         </p:nvSpPr>
         <p:spPr>
           <a:xfrm>
-            <a:off x="4674240" y="1203480"/>
-            <a:ext cx="4015800" cy="2982960"/>
+            <a:off x="4673880" y="1203480"/>
+            <a:ext cx="4015440" cy="2982600"/>
           </a:xfrm>
           <a:prstGeom prst="rect">
             <a:avLst/>
@@ -1105,10 +1041,7 @@
             <a:normAutofit/>
           </a:bodyPr>
           <a:p>
-            <a:endParaRPr b="0" lang="en-US" sz="1400" spc="-1" strike="noStrike">
-              <a:solidFill>
-                <a:srgbClr val="000000"/>
-              </a:solidFill>
+            <a:endParaRPr b="0" lang="en-US" sz="3200" spc="-1" strike="noStrike">
               <a:latin typeface="Arial"/>
             </a:endParaRPr>
           </a:p>
@@ -1126,8 +1059,8 @@
         </p:nvSpPr>
         <p:spPr>
           <a:xfrm>
-            <a:off x="457200" y="2761920"/>
-            <a:ext cx="4015800" cy="1422720"/>
+            <a:off x="457200" y="2761200"/>
+            <a:ext cx="4015440" cy="1422360"/>
           </a:xfrm>
           <a:prstGeom prst="rect">
             <a:avLst/>
@@ -1138,10 +1071,7 @@
             <a:normAutofit/>
           </a:bodyPr>
           <a:p>
-            <a:endParaRPr b="0" lang="en-US" sz="1400" spc="-1" strike="noStrike">
-              <a:solidFill>
-                <a:srgbClr val="000000"/>
-              </a:solidFill>
+            <a:endParaRPr b="0" lang="en-US" sz="3200" spc="-1" strike="noStrike">
               <a:latin typeface="Arial"/>
             </a:endParaRPr>
           </a:p>
@@ -1182,7 +1112,7 @@
         <p:spPr>
           <a:xfrm>
             <a:off x="311760" y="744480"/>
-            <a:ext cx="8520120" cy="2052360"/>
+            <a:ext cx="8519400" cy="2051640"/>
           </a:xfrm>
           <a:prstGeom prst="rect">
             <a:avLst/>
@@ -1193,10 +1123,8 @@
             <a:noAutofit/>
           </a:bodyPr>
           <a:p>
-            <a:endParaRPr b="0" lang="en-US" sz="1400" spc="-1" strike="noStrike">
-              <a:solidFill>
-                <a:srgbClr val="000000"/>
-              </a:solidFill>
+            <a:pPr algn="ctr"/>
+            <a:endParaRPr b="0" lang="en-US" sz="4400" spc="-1" strike="noStrike">
               <a:latin typeface="Arial"/>
             </a:endParaRPr>
           </a:p>
@@ -1215,7 +1143,7 @@
         <p:spPr>
           <a:xfrm>
             <a:off x="457200" y="1203480"/>
-            <a:ext cx="4015800" cy="2982960"/>
+            <a:ext cx="4015440" cy="2982600"/>
           </a:xfrm>
           <a:prstGeom prst="rect">
             <a:avLst/>
@@ -1226,10 +1154,7 @@
             <a:normAutofit/>
           </a:bodyPr>
           <a:p>
-            <a:endParaRPr b="0" lang="en-US" sz="1400" spc="-1" strike="noStrike">
-              <a:solidFill>
-                <a:srgbClr val="000000"/>
-              </a:solidFill>
+            <a:endParaRPr b="0" lang="en-US" sz="3200" spc="-1" strike="noStrike">
               <a:latin typeface="Arial"/>
             </a:endParaRPr>
           </a:p>
@@ -1247,8 +1172,8 @@
         </p:nvSpPr>
         <p:spPr>
           <a:xfrm>
-            <a:off x="4674240" y="1203480"/>
-            <a:ext cx="4015800" cy="1422720"/>
+            <a:off x="4673880" y="1203480"/>
+            <a:ext cx="4015440" cy="1422360"/>
           </a:xfrm>
           <a:prstGeom prst="rect">
             <a:avLst/>
@@ -1259,10 +1184,7 @@
             <a:normAutofit/>
           </a:bodyPr>
           <a:p>
-            <a:endParaRPr b="0" lang="en-US" sz="1400" spc="-1" strike="noStrike">
-              <a:solidFill>
-                <a:srgbClr val="000000"/>
-              </a:solidFill>
+            <a:endParaRPr b="0" lang="en-US" sz="3200" spc="-1" strike="noStrike">
               <a:latin typeface="Arial"/>
             </a:endParaRPr>
           </a:p>
@@ -1280,8 +1202,8 @@
         </p:nvSpPr>
         <p:spPr>
           <a:xfrm>
-            <a:off x="4674240" y="2761920"/>
-            <a:ext cx="4015800" cy="1422720"/>
+            <a:off x="4673880" y="2761200"/>
+            <a:ext cx="4015440" cy="1422360"/>
           </a:xfrm>
           <a:prstGeom prst="rect">
             <a:avLst/>
@@ -1292,10 +1214,7 @@
             <a:normAutofit/>
           </a:bodyPr>
           <a:p>
-            <a:endParaRPr b="0" lang="en-US" sz="1400" spc="-1" strike="noStrike">
-              <a:solidFill>
-                <a:srgbClr val="000000"/>
-              </a:solidFill>
+            <a:endParaRPr b="0" lang="en-US" sz="3200" spc="-1" strike="noStrike">
               <a:latin typeface="Arial"/>
             </a:endParaRPr>
           </a:p>
@@ -1336,7 +1255,7 @@
         <p:spPr>
           <a:xfrm>
             <a:off x="311760" y="744480"/>
-            <a:ext cx="8520120" cy="2052360"/>
+            <a:ext cx="8519400" cy="2051640"/>
           </a:xfrm>
           <a:prstGeom prst="rect">
             <a:avLst/>
@@ -1347,10 +1266,8 @@
             <a:noAutofit/>
           </a:bodyPr>
           <a:p>
-            <a:endParaRPr b="0" lang="en-US" sz="1400" spc="-1" strike="noStrike">
-              <a:solidFill>
-                <a:srgbClr val="000000"/>
-              </a:solidFill>
+            <a:pPr algn="ctr"/>
+            <a:endParaRPr b="0" lang="en-US" sz="4400" spc="-1" strike="noStrike">
               <a:latin typeface="Arial"/>
             </a:endParaRPr>
           </a:p>
@@ -1369,7 +1286,7 @@
         <p:spPr>
           <a:xfrm>
             <a:off x="457200" y="1203480"/>
-            <a:ext cx="4015800" cy="1422720"/>
+            <a:ext cx="4015440" cy="1422360"/>
           </a:xfrm>
           <a:prstGeom prst="rect">
             <a:avLst/>
@@ -1380,10 +1297,7 @@
             <a:normAutofit/>
           </a:bodyPr>
           <a:p>
-            <a:endParaRPr b="0" lang="en-US" sz="1400" spc="-1" strike="noStrike">
-              <a:solidFill>
-                <a:srgbClr val="000000"/>
-              </a:solidFill>
+            <a:endParaRPr b="0" lang="en-US" sz="3200" spc="-1" strike="noStrike">
               <a:latin typeface="Arial"/>
             </a:endParaRPr>
           </a:p>
@@ -1401,8 +1315,8 @@
         </p:nvSpPr>
         <p:spPr>
           <a:xfrm>
-            <a:off x="4674240" y="1203480"/>
-            <a:ext cx="4015800" cy="1422720"/>
+            <a:off x="4673880" y="1203480"/>
+            <a:ext cx="4015440" cy="1422360"/>
           </a:xfrm>
           <a:prstGeom prst="rect">
             <a:avLst/>
@@ -1413,10 +1327,7 @@
             <a:normAutofit/>
           </a:bodyPr>
           <a:p>
-            <a:endParaRPr b="0" lang="en-US" sz="1400" spc="-1" strike="noStrike">
-              <a:solidFill>
-                <a:srgbClr val="000000"/>
-              </a:solidFill>
+            <a:endParaRPr b="0" lang="en-US" sz="3200" spc="-1" strike="noStrike">
               <a:latin typeface="Arial"/>
             </a:endParaRPr>
           </a:p>
@@ -1434,8 +1345,8 @@
         </p:nvSpPr>
         <p:spPr>
           <a:xfrm>
-            <a:off x="457200" y="2761920"/>
-            <a:ext cx="8229240" cy="1422720"/>
+            <a:off x="457200" y="2761200"/>
+            <a:ext cx="8228880" cy="1422360"/>
           </a:xfrm>
           <a:prstGeom prst="rect">
             <a:avLst/>
@@ -1446,10 +1357,7 @@
             <a:normAutofit/>
           </a:bodyPr>
           <a:p>
-            <a:endParaRPr b="0" lang="en-US" sz="1400" spc="-1" strike="noStrike">
-              <a:solidFill>
-                <a:srgbClr val="000000"/>
-              </a:solidFill>
+            <a:endParaRPr b="0" lang="en-US" sz="3200" spc="-1" strike="noStrike">
               <a:latin typeface="Arial"/>
             </a:endParaRPr>
           </a:p>
@@ -1497,86 +1405,205 @@
         <p:spPr>
           <a:xfrm>
             <a:off x="311760" y="744480"/>
-            <a:ext cx="8520120" cy="2052360"/>
-          </a:xfrm>
-          <a:prstGeom prst="rect">
-            <a:avLst/>
-          </a:prstGeom>
-        </p:spPr>
-        <p:txBody>
-          <a:bodyPr tIns="91440" bIns="91440" anchor="b">
+            <a:ext cx="8519400" cy="2051640"/>
+          </a:xfrm>
+          <a:prstGeom prst="rect">
+            <a:avLst/>
+          </a:prstGeom>
+        </p:spPr>
+        <p:txBody>
+          <a:bodyPr lIns="0" rIns="0" tIns="0" bIns="0" anchor="ctr">
             <a:noAutofit/>
           </a:bodyPr>
           <a:p>
             <a:pPr algn="ctr"/>
             <a:r>
-              <a:rPr b="0" lang="en-US" sz="5200" spc="-1" strike="noStrike">
-                <a:solidFill>
-                  <a:srgbClr val="000000"/>
-                </a:solidFill>
+              <a:rPr b="0" lang="en-US" sz="1800" spc="-1" strike="noStrike">
                 <a:latin typeface="Arial"/>
               </a:rPr>
-              <a:t>Click to edit the title </a:t>
+              <a:t>Click to edit the title text format</a:t>
             </a:r>
+            <a:endParaRPr b="0" lang="en-US" sz="1800" spc="-1" strike="noStrike">
+              <a:latin typeface="Arial"/>
+            </a:endParaRPr>
+          </a:p>
+        </p:txBody>
+      </p:sp>
+      <p:sp>
+        <p:nvSpPr>
+          <p:cNvPr id="1" name="PlaceHolder 2"/>
+          <p:cNvSpPr>
+            <a:spLocks noGrp="1"/>
+          </p:cNvSpPr>
+          <p:nvPr>
+            <p:ph type="body"/>
+          </p:nvPr>
+        </p:nvSpPr>
+        <p:spPr>
+          <a:xfrm>
+            <a:off x="457200" y="1203480"/>
+            <a:ext cx="8228880" cy="2982600"/>
+          </a:xfrm>
+          <a:prstGeom prst="rect">
+            <a:avLst/>
+          </a:prstGeom>
+        </p:spPr>
+        <p:txBody>
+          <a:bodyPr lIns="0" rIns="0" tIns="0" bIns="0">
+            <a:normAutofit/>
+          </a:bodyPr>
+          <a:p>
+            <a:pPr marL="432000" indent="-324000" algn="ctr">
+              <a:spcBef>
+                <a:spcPts val="1417"/>
+              </a:spcBef>
+              <a:buClr>
+                <a:srgbClr val="000000"/>
+              </a:buClr>
+              <a:buSzPct val="45000"/>
+              <a:buFont typeface="Wingdings" charset="2"/>
+              <a:buChar char=""/>
+            </a:pPr>
             <a:r>
-              <a:rPr b="0" lang="en-US" sz="5200" spc="-1" strike="noStrike">
-                <a:solidFill>
-                  <a:srgbClr val="000000"/>
-                </a:solidFill>
+              <a:rPr b="0" lang="en-US" sz="1800" spc="-1" strike="noStrike">
                 <a:latin typeface="Arial"/>
               </a:rPr>
-              <a:t>text format</a:t>
+              <a:t>Click to edit the outline text format</a:t>
             </a:r>
-            <a:endParaRPr b="0" lang="en-US" sz="5200" spc="-1" strike="noStrike">
-              <a:solidFill>
+            <a:endParaRPr b="0" lang="en-US" sz="1800" spc="-1" strike="noStrike">
+              <a:latin typeface="Arial"/>
+            </a:endParaRPr>
+          </a:p>
+          <a:p>
+            <a:pPr lvl="1" marL="864000" indent="-324000" algn="ctr">
+              <a:spcBef>
+                <a:spcPts val="1134"/>
+              </a:spcBef>
+              <a:buClr>
                 <a:srgbClr val="000000"/>
-              </a:solidFill>
-              <a:latin typeface="Arial"/>
-            </a:endParaRPr>
-          </a:p>
-        </p:txBody>
-      </p:sp>
-      <p:sp>
-        <p:nvSpPr>
-          <p:cNvPr id="1" name="PlaceHolder 2"/>
-          <p:cNvSpPr>
-            <a:spLocks noGrp="1"/>
-          </p:cNvSpPr>
-          <p:nvPr>
-            <p:ph type="sldNum"/>
-          </p:nvPr>
-        </p:nvSpPr>
-        <p:spPr>
-          <a:xfrm>
-            <a:off x="8472600" y="4663080"/>
-            <a:ext cx="548280" cy="393120"/>
-          </a:xfrm>
-          <a:prstGeom prst="rect">
-            <a:avLst/>
-          </a:prstGeom>
-        </p:spPr>
-        <p:txBody>
-          <a:bodyPr tIns="91440" bIns="91440" anchor="ctr">
-            <a:noAutofit/>
-          </a:bodyPr>
-          <a:p>
-            <a:pPr algn="r">
-              <a:lnSpc>
-                <a:spcPct val="100000"/>
-              </a:lnSpc>
+              </a:buClr>
+              <a:buSzPct val="75000"/>
+              <a:buFont typeface="Symbol" charset="2"/>
+              <a:buChar char=""/>
             </a:pPr>
-            <a:fld id="{972CA85D-ED58-4BEB-A358-FF40A0E31DDE}" type="slidenum">
-              <a:rPr b="0" lang="en" sz="1000" spc="-1" strike="noStrike">
-                <a:solidFill>
-                  <a:srgbClr val="595959"/>
-                </a:solidFill>
+            <a:r>
+              <a:rPr b="0" lang="en-US" sz="1800" spc="-1" strike="noStrike">
                 <a:latin typeface="Arial"/>
-                <a:ea typeface="Arial"/>
               </a:rPr>
-              <a:t>&lt;number&gt;</a:t>
-            </a:fld>
-            <a:endParaRPr b="0" lang="en-US" sz="1000" spc="-1" strike="noStrike">
-              <a:latin typeface="Times New Roman"/>
+              <a:t>Second Outline Level</a:t>
+            </a:r>
+            <a:endParaRPr b="0" lang="en-US" sz="1800" spc="-1" strike="noStrike">
+              <a:latin typeface="Arial"/>
+            </a:endParaRPr>
+          </a:p>
+          <a:p>
+            <a:pPr lvl="2" marL="1296000" indent="-288000" algn="ctr">
+              <a:spcBef>
+                <a:spcPts val="850"/>
+              </a:spcBef>
+              <a:buClr>
+                <a:srgbClr val="000000"/>
+              </a:buClr>
+              <a:buSzPct val="45000"/>
+              <a:buFont typeface="Wingdings" charset="2"/>
+              <a:buChar char=""/>
+            </a:pPr>
+            <a:r>
+              <a:rPr b="0" lang="en-US" sz="1800" spc="-1" strike="noStrike">
+                <a:latin typeface="Arial"/>
+              </a:rPr>
+              <a:t>Third Outline Level</a:t>
+            </a:r>
+            <a:endParaRPr b="0" lang="en-US" sz="1800" spc="-1" strike="noStrike">
+              <a:latin typeface="Arial"/>
+            </a:endParaRPr>
+          </a:p>
+          <a:p>
+            <a:pPr lvl="3" marL="1728000" indent="-216000" algn="ctr">
+              <a:spcBef>
+                <a:spcPts val="567"/>
+              </a:spcBef>
+              <a:buClr>
+                <a:srgbClr val="000000"/>
+              </a:buClr>
+              <a:buSzPct val="75000"/>
+              <a:buFont typeface="Symbol" charset="2"/>
+              <a:buChar char=""/>
+            </a:pPr>
+            <a:r>
+              <a:rPr b="0" lang="en-US" sz="1800" spc="-1" strike="noStrike">
+                <a:latin typeface="Arial"/>
+              </a:rPr>
+              <a:t>Fourth Outline Level</a:t>
+            </a:r>
+            <a:endParaRPr b="0" lang="en-US" sz="1800" spc="-1" strike="noStrike">
+              <a:latin typeface="Arial"/>
+            </a:endParaRPr>
+          </a:p>
+          <a:p>
+            <a:pPr lvl="4" marL="2160000" indent="-216000" algn="ctr">
+              <a:spcBef>
+                <a:spcPts val="283"/>
+              </a:spcBef>
+              <a:buClr>
+                <a:srgbClr val="000000"/>
+              </a:buClr>
+              <a:buSzPct val="45000"/>
+              <a:buFont typeface="Wingdings" charset="2"/>
+              <a:buChar char=""/>
+            </a:pPr>
+            <a:r>
+              <a:rPr b="0" lang="en-US" sz="1800" spc="-1" strike="noStrike">
+                <a:latin typeface="Arial"/>
+              </a:rPr>
+              <a:t>Fifth Outline Level</a:t>
+            </a:r>
+            <a:endParaRPr b="0" lang="en-US" sz="1800" spc="-1" strike="noStrike">
+              <a:latin typeface="Arial"/>
+            </a:endParaRPr>
+          </a:p>
+          <a:p>
+            <a:pPr lvl="5" marL="2592000" indent="-216000" algn="ctr">
+              <a:spcBef>
+                <a:spcPts val="283"/>
+              </a:spcBef>
+              <a:buClr>
+                <a:srgbClr val="000000"/>
+              </a:buClr>
+              <a:buSzPct val="45000"/>
+              <a:buFont typeface="Wingdings" charset="2"/>
+              <a:buChar char=""/>
+            </a:pPr>
+            <a:r>
+              <a:rPr b="0" lang="en-US" sz="1800" spc="-1" strike="noStrike">
+                <a:latin typeface="Arial"/>
+              </a:rPr>
+              <a:t>Sixth Outline Level</a:t>
+            </a:r>
+            <a:endParaRPr b="0" lang="en-US" sz="1800" spc="-1" strike="noStrike">
+              <a:latin typeface="Arial"/>
+            </a:endParaRPr>
+          </a:p>
+          <a:p>
+            <a:pPr lvl="6" marL="3024000" indent="-216000" algn="ctr">
+              <a:spcBef>
+                <a:spcPts val="283"/>
+              </a:spcBef>
+              <a:buClr>
+                <a:srgbClr val="000000"/>
+              </a:buClr>
+              <a:buSzPct val="45000"/>
+              <a:buFont typeface="Wingdings" charset="2"/>
+              <a:buChar char=""/>
+            </a:pPr>
+            <a:r>
+              <a:rPr b="0" lang="en-US" sz="1800" spc="-1" strike="noStrike">
+                <a:latin typeface="Arial"/>
+              </a:rPr>
+              <a:t>Seventh Outline Level</a:t>
+            </a:r>
+            <a:endParaRPr b="0" lang="en-US" sz="1800" spc="-1" strike="noStrike">
+              <a:latin typeface="Arial"/>
             </a:endParaRPr>
           </a:p>
         </p:txBody>
@@ -1627,7 +1654,7 @@
         <p:spPr>
           <a:xfrm>
             <a:off x="4178880" y="548640"/>
-            <a:ext cx="1307520" cy="597240"/>
+            <a:ext cx="1306800" cy="596520"/>
           </a:xfrm>
           <a:prstGeom prst="rect">
             <a:avLst/>
@@ -1646,7 +1673,7 @@
           <a:fontRef idx="minor"/>
         </p:style>
         <p:txBody>
-          <a:bodyPr tIns="91440" bIns="91440" anchor="ctr">
+          <a:bodyPr lIns="90000" rIns="90000" tIns="91440" bIns="91440" anchor="ctr">
             <a:noAutofit/>
           </a:bodyPr>
           <a:p>
@@ -1680,7 +1707,7 @@
         <p:spPr>
           <a:xfrm>
             <a:off x="4734720" y="1688760"/>
-            <a:ext cx="1666080" cy="597240"/>
+            <a:ext cx="1665360" cy="596520"/>
           </a:xfrm>
           <a:prstGeom prst="rect">
             <a:avLst/>
@@ -1699,7 +1726,7 @@
           <a:fontRef idx="minor"/>
         </p:style>
         <p:txBody>
-          <a:bodyPr tIns="91440" bIns="91440" anchor="ctr">
+          <a:bodyPr lIns="90000" rIns="90000" tIns="91440" bIns="91440" anchor="ctr">
             <a:noAutofit/>
           </a:bodyPr>
           <a:p>
@@ -1733,7 +1760,7 @@
         <p:spPr>
           <a:xfrm>
             <a:off x="2532960" y="1688760"/>
-            <a:ext cx="1307520" cy="597240"/>
+            <a:ext cx="1306800" cy="596520"/>
           </a:xfrm>
           <a:prstGeom prst="rect">
             <a:avLst/>
@@ -1752,7 +1779,7 @@
           <a:fontRef idx="minor"/>
         </p:style>
         <p:txBody>
-          <a:bodyPr tIns="91440" bIns="91440" anchor="ctr">
+          <a:bodyPr lIns="90000" rIns="90000" tIns="91440" bIns="91440" anchor="ctr">
             <a:noAutofit/>
           </a:bodyPr>
           <a:p>
@@ -1786,7 +1813,7 @@
         <p:spPr>
           <a:xfrm>
             <a:off x="246960" y="548640"/>
-            <a:ext cx="1307520" cy="597240"/>
+            <a:ext cx="1306800" cy="596520"/>
           </a:xfrm>
           <a:prstGeom prst="rect">
             <a:avLst/>
@@ -1805,7 +1832,7 @@
           <a:fontRef idx="minor"/>
         </p:style>
         <p:txBody>
-          <a:bodyPr tIns="91440" bIns="91440" anchor="ctr">
+          <a:bodyPr lIns="90000" rIns="90000" tIns="91440" bIns="91440" anchor="ctr">
             <a:noAutofit/>
           </a:bodyPr>
           <a:p>
@@ -1839,7 +1866,7 @@
         <p:spPr>
           <a:xfrm>
             <a:off x="182880" y="2926080"/>
-            <a:ext cx="1307520" cy="597240"/>
+            <a:ext cx="1306800" cy="596520"/>
           </a:xfrm>
           <a:prstGeom prst="rect">
             <a:avLst/>
@@ -1858,7 +1885,7 @@
           <a:fontRef idx="minor"/>
         </p:style>
         <p:txBody>
-          <a:bodyPr tIns="91440" bIns="91440" anchor="ctr">
+          <a:bodyPr lIns="90000" rIns="90000" tIns="91440" bIns="91440" anchor="ctr">
             <a:noAutofit/>
           </a:bodyPr>
           <a:p>
@@ -1892,7 +1919,7 @@
         <p:spPr>
           <a:xfrm>
             <a:off x="2898720" y="2926080"/>
-            <a:ext cx="1307520" cy="597240"/>
+            <a:ext cx="1306800" cy="596520"/>
           </a:xfrm>
           <a:prstGeom prst="rect">
             <a:avLst/>
@@ -1911,7 +1938,7 @@
           <a:fontRef idx="minor"/>
         </p:style>
         <p:txBody>
-          <a:bodyPr tIns="91440" bIns="91440" anchor="ctr">
+          <a:bodyPr lIns="90000" rIns="90000" tIns="91440" bIns="91440" anchor="ctr">
             <a:noAutofit/>
           </a:bodyPr>
           <a:p>
@@ -1936,23 +1963,34 @@
           </a:p>
         </p:txBody>
       </p:sp>
-      <p:cxnSp>
-        <p:nvCxnSpPr>
-          <p:cNvPr id="44" name="Line 7"/>
-          <p:cNvCxnSpPr>
-            <a:stCxn id="42" idx="3"/>
-            <a:endCxn id="43" idx="1"/>
-          </p:cNvCxnSpPr>
+      <p:sp>
+        <p:nvSpPr>
+          <p:cNvPr id="44" name="CustomShape 7"/>
+          <p:cNvSpPr/>
           <p:nvPr/>
-        </p:nvCxnSpPr>
+        </p:nvSpPr>
         <p:spPr>
           <a:xfrm>
             <a:off x="1490400" y="3224520"/>
-            <a:ext cx="1408680" cy="360"/>
-          </a:xfrm>
-          <a:prstGeom prst="straightConnector1">
-            <a:avLst/>
-          </a:prstGeom>
+            <a:ext cx="1407960" cy="360"/>
+          </a:xfrm>
+          <a:custGeom>
+            <a:avLst/>
+            <a:gdLst/>
+            <a:ahLst/>
+            <a:rect l="l" t="t" r="r" b="b"/>
+            <a:pathLst>
+              <a:path w="21600" h="21600">
+                <a:moveTo>
+                  <a:pt x="0" y="0"/>
+                </a:moveTo>
+                <a:lnTo>
+                  <a:pt x="21600" y="21600"/>
+                </a:lnTo>
+              </a:path>
+            </a:pathLst>
+          </a:custGeom>
+          <a:noFill/>
           <a:ln>
             <a:solidFill>
               <a:srgbClr val="3465a4"/>
@@ -1960,23 +1998,41 @@
             <a:tailEnd len="med" type="triangle" w="med"/>
           </a:ln>
         </p:spPr>
-      </p:cxnSp>
-      <p:cxnSp>
-        <p:nvCxnSpPr>
-          <p:cNvPr id="45" name="Line 8"/>
-          <p:cNvCxnSpPr>
-            <a:endCxn id="40" idx="1"/>
-          </p:cNvCxnSpPr>
+        <p:style>
+          <a:lnRef idx="0"/>
+          <a:fillRef idx="0"/>
+          <a:effectRef idx="0"/>
+          <a:fontRef idx="minor"/>
+        </p:style>
+      </p:sp>
+      <p:sp>
+        <p:nvSpPr>
+          <p:cNvPr id="45" name="CustomShape 8"/>
+          <p:cNvSpPr/>
           <p:nvPr/>
-        </p:nvCxnSpPr>
+        </p:nvSpPr>
         <p:spPr>
           <a:xfrm>
             <a:off x="1581840" y="1987200"/>
-            <a:ext cx="951480" cy="360"/>
-          </a:xfrm>
-          <a:prstGeom prst="straightConnector1">
-            <a:avLst/>
-          </a:prstGeom>
+            <a:ext cx="950760" cy="360"/>
+          </a:xfrm>
+          <a:custGeom>
+            <a:avLst/>
+            <a:gdLst/>
+            <a:ahLst/>
+            <a:rect l="l" t="t" r="r" b="b"/>
+            <a:pathLst>
+              <a:path w="21600" h="21600">
+                <a:moveTo>
+                  <a:pt x="0" y="0"/>
+                </a:moveTo>
+                <a:lnTo>
+                  <a:pt x="21600" y="21600"/>
+                </a:lnTo>
+              </a:path>
+            </a:pathLst>
+          </a:custGeom>
+          <a:noFill/>
           <a:ln>
             <a:solidFill>
               <a:srgbClr val="3465a4"/>
@@ -1984,7 +2040,13 @@
             <a:tailEnd len="med" type="triangle" w="med"/>
           </a:ln>
         </p:spPr>
-      </p:cxnSp>
+        <p:style>
+          <a:lnRef idx="0"/>
+          <a:fillRef idx="0"/>
+          <a:effectRef idx="0"/>
+          <a:fontRef idx="minor"/>
+        </p:style>
+      </p:sp>
       <p:sp>
         <p:nvSpPr>
           <p:cNvPr id="46" name="CustomShape 9"/>
@@ -1994,7 +2056,7 @@
         <p:spPr>
           <a:xfrm>
             <a:off x="2103120" y="548640"/>
-            <a:ext cx="1307520" cy="597240"/>
+            <a:ext cx="1306800" cy="596520"/>
           </a:xfrm>
           <a:prstGeom prst="rect">
             <a:avLst/>
@@ -2013,7 +2075,7 @@
           <a:fontRef idx="minor"/>
         </p:style>
         <p:txBody>
-          <a:bodyPr tIns="91440" bIns="91440" anchor="ctr">
+          <a:bodyPr lIns="90000" rIns="90000" tIns="91440" bIns="91440" anchor="ctr">
             <a:noAutofit/>
           </a:bodyPr>
           <a:p>
@@ -2038,23 +2100,34 @@
           </a:p>
         </p:txBody>
       </p:sp>
-      <p:cxnSp>
-        <p:nvCxnSpPr>
-          <p:cNvPr id="47" name="Line 10"/>
-          <p:cNvCxnSpPr>
-            <a:stCxn id="41" idx="3"/>
-            <a:endCxn id="46" idx="1"/>
-          </p:cNvCxnSpPr>
+      <p:sp>
+        <p:nvSpPr>
+          <p:cNvPr id="47" name="CustomShape 10"/>
+          <p:cNvSpPr/>
           <p:nvPr/>
-        </p:nvCxnSpPr>
+        </p:nvSpPr>
         <p:spPr>
           <a:xfrm>
             <a:off x="1554480" y="847080"/>
-            <a:ext cx="549000" cy="360"/>
-          </a:xfrm>
-          <a:prstGeom prst="straightConnector1">
-            <a:avLst/>
-          </a:prstGeom>
+            <a:ext cx="548280" cy="360"/>
+          </a:xfrm>
+          <a:custGeom>
+            <a:avLst/>
+            <a:gdLst/>
+            <a:ahLst/>
+            <a:rect l="l" t="t" r="r" b="b"/>
+            <a:pathLst>
+              <a:path w="21600" h="21600">
+                <a:moveTo>
+                  <a:pt x="0" y="0"/>
+                </a:moveTo>
+                <a:lnTo>
+                  <a:pt x="21600" y="21600"/>
+                </a:lnTo>
+              </a:path>
+            </a:pathLst>
+          </a:custGeom>
+          <a:noFill/>
           <a:ln>
             <a:solidFill>
               <a:srgbClr val="3465a4"/>
@@ -2062,24 +2135,41 @@
             <a:tailEnd len="med" type="triangle" w="med"/>
           </a:ln>
         </p:spPr>
-      </p:cxnSp>
-      <p:cxnSp>
-        <p:nvCxnSpPr>
-          <p:cNvPr id="48" name="Line 11"/>
-          <p:cNvCxnSpPr>
-            <a:stCxn id="46" idx="3"/>
-            <a:endCxn id="38" idx="1"/>
-          </p:cNvCxnSpPr>
+        <p:style>
+          <a:lnRef idx="0"/>
+          <a:fillRef idx="0"/>
+          <a:effectRef idx="0"/>
+          <a:fontRef idx="minor"/>
+        </p:style>
+      </p:sp>
+      <p:sp>
+        <p:nvSpPr>
+          <p:cNvPr id="48" name="CustomShape 11"/>
+          <p:cNvSpPr/>
           <p:nvPr/>
-        </p:nvCxnSpPr>
+        </p:nvSpPr>
         <p:spPr>
           <a:xfrm>
             <a:off x="3410640" y="847080"/>
-            <a:ext cx="768600" cy="360"/>
-          </a:xfrm>
-          <a:prstGeom prst="straightConnector1">
-            <a:avLst/>
-          </a:prstGeom>
+            <a:ext cx="767880" cy="360"/>
+          </a:xfrm>
+          <a:custGeom>
+            <a:avLst/>
+            <a:gdLst/>
+            <a:ahLst/>
+            <a:rect l="l" t="t" r="r" b="b"/>
+            <a:pathLst>
+              <a:path w="21600" h="21600">
+                <a:moveTo>
+                  <a:pt x="0" y="0"/>
+                </a:moveTo>
+                <a:lnTo>
+                  <a:pt x="21600" y="21600"/>
+                </a:lnTo>
+              </a:path>
+            </a:pathLst>
+          </a:custGeom>
+          <a:noFill/>
           <a:ln>
             <a:solidFill>
               <a:srgbClr val="3465a4"/>
@@ -2087,7 +2177,13 @@
             <a:tailEnd len="med" type="triangle" w="med"/>
           </a:ln>
         </p:spPr>
-      </p:cxnSp>
+        <p:style>
+          <a:lnRef idx="0"/>
+          <a:fillRef idx="0"/>
+          <a:effectRef idx="0"/>
+          <a:fontRef idx="minor"/>
+        </p:style>
+      </p:sp>
       <p:sp>
         <p:nvSpPr>
           <p:cNvPr id="49" name="CustomShape 12"/>
@@ -2097,7 +2193,7 @@
         <p:spPr>
           <a:xfrm>
             <a:off x="6007680" y="548640"/>
-            <a:ext cx="1307520" cy="597240"/>
+            <a:ext cx="1306800" cy="596520"/>
           </a:xfrm>
           <a:prstGeom prst="rect">
             <a:avLst/>
@@ -2116,7 +2212,7 @@
           <a:fontRef idx="minor"/>
         </p:style>
         <p:txBody>
-          <a:bodyPr tIns="91440" bIns="91440" anchor="ctr">
+          <a:bodyPr lIns="90000" rIns="90000" tIns="91440" bIns="91440" anchor="ctr">
             <a:noAutofit/>
           </a:bodyPr>
           <a:p>
@@ -2141,23 +2237,34 @@
           </a:p>
         </p:txBody>
       </p:sp>
-      <p:cxnSp>
-        <p:nvCxnSpPr>
-          <p:cNvPr id="50" name="Line 13"/>
-          <p:cNvCxnSpPr>
-            <a:stCxn id="38" idx="3"/>
-            <a:endCxn id="38" idx="3"/>
-          </p:cNvCxnSpPr>
+      <p:sp>
+        <p:nvSpPr>
+          <p:cNvPr id="50" name="CustomShape 13"/>
+          <p:cNvSpPr/>
           <p:nvPr/>
-        </p:nvCxnSpPr>
+        </p:nvSpPr>
         <p:spPr>
           <a:xfrm>
             <a:off x="5486400" y="847080"/>
             <a:ext cx="360" cy="360"/>
           </a:xfrm>
-          <a:prstGeom prst="straightConnector1">
-            <a:avLst/>
-          </a:prstGeom>
+          <a:custGeom>
+            <a:avLst/>
+            <a:gdLst/>
+            <a:ahLst/>
+            <a:rect l="l" t="t" r="r" b="b"/>
+            <a:pathLst>
+              <a:path w="21600" h="21600">
+                <a:moveTo>
+                  <a:pt x="0" y="0"/>
+                </a:moveTo>
+                <a:lnTo>
+                  <a:pt x="21600" y="21600"/>
+                </a:lnTo>
+              </a:path>
+            </a:pathLst>
+          </a:custGeom>
+          <a:noFill/>
           <a:ln>
             <a:solidFill>
               <a:srgbClr val="3465a4"/>
@@ -2165,24 +2272,41 @@
             <a:tailEnd len="med" type="triangle" w="med"/>
           </a:ln>
         </p:spPr>
-      </p:cxnSp>
-      <p:cxnSp>
-        <p:nvCxnSpPr>
-          <p:cNvPr id="51" name="Line 14"/>
-          <p:cNvCxnSpPr>
-            <a:stCxn id="50" idx="3"/>
-            <a:endCxn id="49" idx="1"/>
-          </p:cNvCxnSpPr>
+        <p:style>
+          <a:lnRef idx="0"/>
+          <a:fillRef idx="0"/>
+          <a:effectRef idx="0"/>
+          <a:fontRef idx="minor"/>
+        </p:style>
+      </p:sp>
+      <p:sp>
+        <p:nvSpPr>
+          <p:cNvPr id="51" name="CustomShape 14"/>
+          <p:cNvSpPr/>
           <p:nvPr/>
-        </p:nvCxnSpPr>
+        </p:nvSpPr>
         <p:spPr>
           <a:xfrm>
             <a:off x="5486400" y="847080"/>
-            <a:ext cx="521640" cy="360"/>
-          </a:xfrm>
-          <a:prstGeom prst="straightConnector1">
-            <a:avLst/>
-          </a:prstGeom>
+            <a:ext cx="520920" cy="360"/>
+          </a:xfrm>
+          <a:custGeom>
+            <a:avLst/>
+            <a:gdLst/>
+            <a:ahLst/>
+            <a:rect l="l" t="t" r="r" b="b"/>
+            <a:pathLst>
+              <a:path w="21600" h="21600">
+                <a:moveTo>
+                  <a:pt x="0" y="0"/>
+                </a:moveTo>
+                <a:lnTo>
+                  <a:pt x="21600" y="21600"/>
+                </a:lnTo>
+              </a:path>
+            </a:pathLst>
+          </a:custGeom>
+          <a:noFill/>
           <a:ln>
             <a:solidFill>
               <a:srgbClr val="3465a4"/>
@@ -2190,7 +2314,13 @@
             <a:tailEnd len="med" type="triangle" w="med"/>
           </a:ln>
         </p:spPr>
-      </p:cxnSp>
+        <p:style>
+          <a:lnRef idx="0"/>
+          <a:fillRef idx="0"/>
+          <a:effectRef idx="0"/>
+          <a:fontRef idx="minor"/>
+        </p:style>
+      </p:sp>
       <p:sp>
         <p:nvSpPr>
           <p:cNvPr id="52" name="CustomShape 15"/>
@@ -2200,7 +2330,7 @@
         <p:spPr>
           <a:xfrm>
             <a:off x="274320" y="1688760"/>
-            <a:ext cx="1307520" cy="597240"/>
+            <a:ext cx="1306800" cy="596520"/>
           </a:xfrm>
           <a:prstGeom prst="rect">
             <a:avLst/>
@@ -2219,7 +2349,7 @@
           <a:fontRef idx="minor"/>
         </p:style>
         <p:txBody>
-          <a:bodyPr tIns="91440" bIns="91440" anchor="ctr">
+          <a:bodyPr lIns="90000" rIns="90000" tIns="91440" bIns="91440" anchor="ctr">
             <a:noAutofit/>
           </a:bodyPr>
           <a:p>
@@ -2244,12 +2374,12 @@
           </a:p>
         </p:txBody>
       </p:sp>
-      <p:cxnSp>
-        <p:nvCxnSpPr>
+      <p:sp>
+        <p:nvSpPr>
           <p:cNvPr id="53" name="Line 16"/>
-          <p:cNvCxnSpPr/>
+          <p:cNvSpPr/>
           <p:nvPr/>
-        </p:nvCxnSpPr>
+        </p:nvSpPr>
         <p:spPr>
           <a:xfrm>
             <a:off x="0" y="0"/>
@@ -2265,13 +2395,19 @@
             <a:tailEnd len="med" type="triangle" w="med"/>
           </a:ln>
         </p:spPr>
-      </p:cxnSp>
-      <p:cxnSp>
-        <p:nvCxnSpPr>
+        <p:style>
+          <a:lnRef idx="0"/>
+          <a:fillRef idx="0"/>
+          <a:effectRef idx="0"/>
+          <a:fontRef idx="minor"/>
+        </p:style>
+      </p:sp>
+      <p:sp>
+        <p:nvSpPr>
           <p:cNvPr id="54" name="Line 17"/>
-          <p:cNvCxnSpPr/>
+          <p:cNvSpPr/>
           <p:nvPr/>
-        </p:nvCxnSpPr>
+        </p:nvSpPr>
         <p:spPr>
           <a:xfrm>
             <a:off x="0" y="0"/>
@@ -2287,7 +2423,13 @@
             <a:tailEnd len="med" type="triangle" w="med"/>
           </a:ln>
         </p:spPr>
-      </p:cxnSp>
+        <p:style>
+          <a:lnRef idx="0"/>
+          <a:fillRef idx="0"/>
+          <a:effectRef idx="0"/>
+          <a:fontRef idx="minor"/>
+        </p:style>
+      </p:sp>
       <p:sp>
         <p:nvSpPr>
           <p:cNvPr id="55" name="CustomShape 18"/>
@@ -2297,7 +2439,7 @@
         <p:spPr>
           <a:xfrm>
             <a:off x="7104960" y="1688760"/>
-            <a:ext cx="1307520" cy="597240"/>
+            <a:ext cx="1306800" cy="596520"/>
           </a:xfrm>
           <a:prstGeom prst="rect">
             <a:avLst/>
@@ -2316,7 +2458,7 @@
           <a:fontRef idx="minor"/>
         </p:style>
         <p:txBody>
-          <a:bodyPr tIns="91440" bIns="91440" anchor="ctr">
+          <a:bodyPr lIns="90000" rIns="90000" tIns="91440" bIns="91440" anchor="ctr">
             <a:noAutofit/>
           </a:bodyPr>
           <a:p>
@@ -2419,6 +2561,106 @@
           <a:fontRef idx="minor"/>
         </p:style>
       </p:sp>
+      <p:sp>
+        <p:nvSpPr>
+          <p:cNvPr id="58" name="Line 21"/>
+          <p:cNvSpPr/>
+          <p:nvPr/>
+        </p:nvSpPr>
+        <p:spPr>
+          <a:xfrm>
+            <a:off x="0" y="0"/>
+            <a:ext cx="360" cy="360"/>
+          </a:xfrm>
+          <a:prstGeom prst="line">
+            <a:avLst/>
+          </a:prstGeom>
+          <a:ln>
+            <a:solidFill>
+              <a:srgbClr val="3465a4"/>
+            </a:solidFill>
+            <a:tailEnd len="med" type="triangle" w="med"/>
+          </a:ln>
+        </p:spPr>
+        <p:style>
+          <a:lnRef idx="0"/>
+          <a:fillRef idx="0"/>
+          <a:effectRef idx="0"/>
+          <a:fontRef idx="minor"/>
+        </p:style>
+      </p:sp>
+      <p:sp>
+        <p:nvSpPr>
+          <p:cNvPr id="59" name="Line 22"/>
+          <p:cNvSpPr/>
+          <p:nvPr/>
+        </p:nvSpPr>
+        <p:spPr>
+          <a:xfrm>
+            <a:off x="0" y="0"/>
+            <a:ext cx="360" cy="360"/>
+          </a:xfrm>
+          <a:prstGeom prst="line">
+            <a:avLst/>
+          </a:prstGeom>
+          <a:ln>
+            <a:solidFill>
+              <a:srgbClr val="3465a4"/>
+            </a:solidFill>
+            <a:tailEnd len="med" type="triangle" w="med"/>
+          </a:ln>
+        </p:spPr>
+        <p:style>
+          <a:lnRef idx="0"/>
+          <a:fillRef idx="0"/>
+          <a:effectRef idx="0"/>
+          <a:fontRef idx="minor"/>
+        </p:style>
+      </p:sp>
+      <p:cxnSp>
+        <p:nvCxnSpPr>
+          <p:cNvPr id="60" name="Line 23"/>
+          <p:cNvCxnSpPr/>
+          <p:nvPr/>
+        </p:nvCxnSpPr>
+        <p:spPr>
+          <a:xfrm>
+            <a:off x="0" y="0"/>
+            <a:ext cx="360" cy="360"/>
+          </a:xfrm>
+          <a:prstGeom prst="line">
+            <a:avLst/>
+          </a:prstGeom>
+          <a:ln>
+            <a:solidFill>
+              <a:srgbClr val="3465a4"/>
+            </a:solidFill>
+            <a:tailEnd len="med" type="triangle" w="med"/>
+          </a:ln>
+        </p:spPr>
+      </p:cxnSp>
+      <p:cxnSp>
+        <p:nvCxnSpPr>
+          <p:cNvPr id="61" name="Line 24"/>
+          <p:cNvCxnSpPr/>
+          <p:nvPr/>
+        </p:nvCxnSpPr>
+        <p:spPr>
+          <a:xfrm>
+            <a:off x="0" y="0"/>
+            <a:ext cx="360" cy="360"/>
+          </a:xfrm>
+          <a:prstGeom prst="line">
+            <a:avLst/>
+          </a:prstGeom>
+          <a:ln>
+            <a:solidFill>
+              <a:srgbClr val="3465a4"/>
+            </a:solidFill>
+            <a:tailEnd len="med" type="triangle" w="med"/>
+          </a:ln>
+        </p:spPr>
+      </p:cxnSp>
     </p:spTree>
   </p:cSld>
   <mc:AlternateContent>
